--- a/CVP_Project_Proposal-cvp-2.pptx
+++ b/CVP_Project_Proposal-cvp-2.pptx
@@ -10414,8 +10414,8 @@
         </p:nvSpPr>
         <p:spPr>
           <a:xfrm>
-            <a:off x="1692463" y="4770905"/>
-            <a:ext cx="1131226" cy="778675"/>
+            <a:off x="1586626" y="4770905"/>
+            <a:ext cx="1237063" cy="646331"/>
           </a:xfrm>
           <a:prstGeom prst="rect">
             <a:avLst/>
@@ -10532,7 +10532,7 @@
             <a:pPr algn="ctr"/>
             <a:r>
               <a:rPr lang="en-US" sz="900" dirty="0"/>
-              <a:t>(Designed to transform the output data to an aligned format)</a:t>
+              <a:t>(Designed to convert the output data into HTML pages.)</a:t>
             </a:r>
             <a:endParaRPr lang="en-IN" sz="900" b="1" dirty="0"/>
           </a:p>
